--- a/inst/thumbnails and templates/signing up.pptx
+++ b/inst/thumbnails and templates/signing up.pptx
@@ -597,7 +597,119 @@
           <a:bodyPr/>
           <a:lstStyle/>
           <a:p>
+            <a:r>
+              <a:rPr lang="en-US" dirty="0"/>
+              <a:t>After you’ve filled out the signup form on this page, you should receive an email like this one. </a:t>
+            </a:r>
+          </a:p>
+          <a:p>
+            <a:r>
+              <a:rPr lang="en-US" dirty="0"/>
+              <a:t>Be sure our discord server using the invite link – you’ll use that frequently throughout the competition, and if you run into any problems getting set up, it’s your line of communication to the Competition admins as well as each other!</a:t>
+            </a:r>
+          </a:p>
+          <a:p>
             <a:endParaRPr lang="en-US" dirty="0"/>
+          </a:p>
+        </p:txBody>
+      </p:sp>
+      <p:sp>
+        <p:nvSpPr>
+          <p:cNvPr id="4" name="Slide Number Placeholder 3"/>
+          <p:cNvSpPr>
+            <a:spLocks noGrp="1"/>
+          </p:cNvSpPr>
+          <p:nvPr>
+            <p:ph type="sldNum" sz="quarter" idx="5"/>
+          </p:nvPr>
+        </p:nvSpPr>
+        <p:spPr/>
+        <p:txBody>
+          <a:bodyPr/>
+          <a:lstStyle/>
+          <a:p>
+            <a:fld id="{F88AA3CA-4187-4A8D-B3EF-E554AEF6C3ED}" type="slidenum">
+              <a:rPr lang="en-US" smtClean="0"/>
+              <a:t>2</a:t>
+            </a:fld>
+            <a:endParaRPr lang="en-US"/>
+          </a:p>
+        </p:txBody>
+      </p:sp>
+    </p:spTree>
+    <p:extLst>
+      <p:ext uri="{BB962C8B-B14F-4D97-AF65-F5344CB8AC3E}">
+        <p14:creationId xmlns:p14="http://schemas.microsoft.com/office/powerpoint/2010/main" val="388471352"/>
+      </p:ext>
+    </p:extLst>
+  </p:cSld>
+  <p:clrMapOvr>
+    <a:masterClrMapping/>
+  </p:clrMapOvr>
+</p:notes>
+</file>
+
+<file path=ppt/notesSlides/notesSlide3.xml><?xml version="1.0" encoding="utf-8"?>
+<p:notes xmlns:a="http://schemas.openxmlformats.org/drawingml/2006/main" xmlns:r="http://schemas.openxmlformats.org/officeDocument/2006/relationships" xmlns:p="http://schemas.openxmlformats.org/presentationml/2006/main">
+  <p:cSld>
+    <p:spTree>
+      <p:nvGrpSpPr>
+        <p:cNvPr id="1" name=""/>
+        <p:cNvGrpSpPr/>
+        <p:nvPr/>
+      </p:nvGrpSpPr>
+      <p:grpSpPr>
+        <a:xfrm>
+          <a:off x="0" y="0"/>
+          <a:ext cx="0" cy="0"/>
+          <a:chOff x="0" y="0"/>
+          <a:chExt cx="0" cy="0"/>
+        </a:xfrm>
+      </p:grpSpPr>
+      <p:sp>
+        <p:nvSpPr>
+          <p:cNvPr id="2" name="Slide Image Placeholder 1"/>
+          <p:cNvSpPr>
+            <a:spLocks noGrp="1" noRot="1" noChangeAspect="1"/>
+          </p:cNvSpPr>
+          <p:nvPr>
+            <p:ph type="sldImg"/>
+          </p:nvPr>
+        </p:nvSpPr>
+        <p:spPr/>
+      </p:sp>
+      <p:sp>
+        <p:nvSpPr>
+          <p:cNvPr id="3" name="Notes Placeholder 2"/>
+          <p:cNvSpPr>
+            <a:spLocks noGrp="1"/>
+          </p:cNvSpPr>
+          <p:nvPr>
+            <p:ph type="body" idx="1"/>
+          </p:nvPr>
+        </p:nvSpPr>
+        <p:spPr/>
+        <p:txBody>
+          <a:bodyPr/>
+          <a:lstStyle/>
+          <a:p>
+            <a:r>
+              <a:rPr lang="en-US" dirty="0"/>
+              <a:t>Create a username &amp; password for yourself.</a:t>
+            </a:r>
+            <a:br>
+              <a:rPr lang="en-US" dirty="0"/>
+            </a:br>
+            <a:r>
+              <a:rPr lang="en-US" dirty="0"/>
+              <a:t>BE SURE TO WRITE IT DOWN because the competition admins don’t have access to this information!</a:t>
+            </a:r>
+          </a:p>
+          <a:p>
+            <a:r>
+              <a:rPr lang="en-US" dirty="0"/>
+              <a:t>Click “create account” when you’re ready</a:t>
+            </a:r>
           </a:p>
         </p:txBody>
       </p:sp>
@@ -628,6 +740,366 @@
     <p:extLst>
       <p:ext uri="{BB962C8B-B14F-4D97-AF65-F5344CB8AC3E}">
         <p14:creationId xmlns:p14="http://schemas.microsoft.com/office/powerpoint/2010/main" val="1981702370"/>
+      </p:ext>
+    </p:extLst>
+  </p:cSld>
+  <p:clrMapOvr>
+    <a:masterClrMapping/>
+  </p:clrMapOvr>
+</p:notes>
+</file>
+
+<file path=ppt/notesSlides/notesSlide4.xml><?xml version="1.0" encoding="utf-8"?>
+<p:notes xmlns:a="http://schemas.openxmlformats.org/drawingml/2006/main" xmlns:r="http://schemas.openxmlformats.org/officeDocument/2006/relationships" xmlns:p="http://schemas.openxmlformats.org/presentationml/2006/main">
+  <p:cSld>
+    <p:spTree>
+      <p:nvGrpSpPr>
+        <p:cNvPr id="1" name=""/>
+        <p:cNvGrpSpPr/>
+        <p:nvPr/>
+      </p:nvGrpSpPr>
+      <p:grpSpPr>
+        <a:xfrm>
+          <a:off x="0" y="0"/>
+          <a:ext cx="0" cy="0"/>
+          <a:chOff x="0" y="0"/>
+          <a:chExt cx="0" cy="0"/>
+        </a:xfrm>
+      </p:grpSpPr>
+      <p:sp>
+        <p:nvSpPr>
+          <p:cNvPr id="2" name="Slide Image Placeholder 1"/>
+          <p:cNvSpPr>
+            <a:spLocks noGrp="1" noRot="1" noChangeAspect="1"/>
+          </p:cNvSpPr>
+          <p:nvPr>
+            <p:ph type="sldImg"/>
+          </p:nvPr>
+        </p:nvSpPr>
+        <p:spPr/>
+      </p:sp>
+      <p:sp>
+        <p:nvSpPr>
+          <p:cNvPr id="3" name="Notes Placeholder 2"/>
+          <p:cNvSpPr>
+            <a:spLocks noGrp="1"/>
+          </p:cNvSpPr>
+          <p:nvPr>
+            <p:ph type="body" idx="1"/>
+          </p:nvPr>
+        </p:nvSpPr>
+        <p:spPr/>
+        <p:txBody>
+          <a:bodyPr/>
+          <a:lstStyle/>
+          <a:p>
+            <a:r>
+              <a:rPr lang="en-US" dirty="0"/>
+              <a:t>Enter your relevant information</a:t>
+            </a:r>
+          </a:p>
+          <a:p>
+            <a:r>
+              <a:rPr lang="en-US" dirty="0"/>
+              <a:t>Not that your Account Number appears on the upper-right hand corner. Make note of that!</a:t>
+            </a:r>
+            <a:br>
+              <a:rPr lang="en-US" dirty="0"/>
+            </a:br>
+            <a:r>
+              <a:rPr lang="en-US" dirty="0"/>
+              <a:t>Then click continue….</a:t>
+            </a:r>
+          </a:p>
+        </p:txBody>
+      </p:sp>
+      <p:sp>
+        <p:nvSpPr>
+          <p:cNvPr id="4" name="Slide Number Placeholder 3"/>
+          <p:cNvSpPr>
+            <a:spLocks noGrp="1"/>
+          </p:cNvSpPr>
+          <p:nvPr>
+            <p:ph type="sldNum" sz="quarter" idx="5"/>
+          </p:nvPr>
+        </p:nvSpPr>
+        <p:spPr/>
+        <p:txBody>
+          <a:bodyPr/>
+          <a:lstStyle/>
+          <a:p>
+            <a:fld id="{F88AA3CA-4187-4A8D-B3EF-E554AEF6C3ED}" type="slidenum">
+              <a:rPr lang="en-US" smtClean="0"/>
+              <a:t>4</a:t>
+            </a:fld>
+            <a:endParaRPr lang="en-US"/>
+          </a:p>
+        </p:txBody>
+      </p:sp>
+    </p:spTree>
+    <p:extLst>
+      <p:ext uri="{BB962C8B-B14F-4D97-AF65-F5344CB8AC3E}">
+        <p14:creationId xmlns:p14="http://schemas.microsoft.com/office/powerpoint/2010/main" val="2271681906"/>
+      </p:ext>
+    </p:extLst>
+  </p:cSld>
+  <p:clrMapOvr>
+    <a:masterClrMapping/>
+  </p:clrMapOvr>
+</p:notes>
+</file>
+
+<file path=ppt/notesSlides/notesSlide5.xml><?xml version="1.0" encoding="utf-8"?>
+<p:notes xmlns:a="http://schemas.openxmlformats.org/drawingml/2006/main" xmlns:r="http://schemas.openxmlformats.org/officeDocument/2006/relationships" xmlns:p="http://schemas.openxmlformats.org/presentationml/2006/main">
+  <p:cSld>
+    <p:spTree>
+      <p:nvGrpSpPr>
+        <p:cNvPr id="1" name=""/>
+        <p:cNvGrpSpPr/>
+        <p:nvPr/>
+      </p:nvGrpSpPr>
+      <p:grpSpPr>
+        <a:xfrm>
+          <a:off x="0" y="0"/>
+          <a:ext cx="0" cy="0"/>
+          <a:chOff x="0" y="0"/>
+          <a:chExt cx="0" cy="0"/>
+        </a:xfrm>
+      </p:grpSpPr>
+      <p:sp>
+        <p:nvSpPr>
+          <p:cNvPr id="2" name="Slide Image Placeholder 1"/>
+          <p:cNvSpPr>
+            <a:spLocks noGrp="1" noRot="1" noChangeAspect="1"/>
+          </p:cNvSpPr>
+          <p:nvPr>
+            <p:ph type="sldImg"/>
+          </p:nvPr>
+        </p:nvSpPr>
+        <p:spPr/>
+      </p:sp>
+      <p:sp>
+        <p:nvSpPr>
+          <p:cNvPr id="3" name="Notes Placeholder 2"/>
+          <p:cNvSpPr>
+            <a:spLocks noGrp="1"/>
+          </p:cNvSpPr>
+          <p:nvPr>
+            <p:ph type="body" idx="1"/>
+          </p:nvPr>
+        </p:nvSpPr>
+        <p:spPr/>
+        <p:txBody>
+          <a:bodyPr/>
+          <a:lstStyle/>
+          <a:p>
+            <a:r>
+              <a:rPr lang="en-US" dirty="0"/>
+              <a:t>When you get to this screen, you’re good to go! </a:t>
+            </a:r>
+            <a:br>
+              <a:rPr lang="en-US" dirty="0"/>
+            </a:br>
+            <a:r>
+              <a:rPr lang="en-US" dirty="0"/>
+              <a:t>Note that it takes about two business days for your account to be fully set up – so be sure to start this process early!</a:t>
+            </a:r>
+          </a:p>
+        </p:txBody>
+      </p:sp>
+      <p:sp>
+        <p:nvSpPr>
+          <p:cNvPr id="4" name="Slide Number Placeholder 3"/>
+          <p:cNvSpPr>
+            <a:spLocks noGrp="1"/>
+          </p:cNvSpPr>
+          <p:nvPr>
+            <p:ph type="sldNum" sz="quarter" idx="5"/>
+          </p:nvPr>
+        </p:nvSpPr>
+        <p:spPr/>
+        <p:txBody>
+          <a:bodyPr/>
+          <a:lstStyle/>
+          <a:p>
+            <a:fld id="{F88AA3CA-4187-4A8D-B3EF-E554AEF6C3ED}" type="slidenum">
+              <a:rPr lang="en-US" smtClean="0"/>
+              <a:t>5</a:t>
+            </a:fld>
+            <a:endParaRPr lang="en-US"/>
+          </a:p>
+        </p:txBody>
+      </p:sp>
+    </p:spTree>
+    <p:extLst>
+      <p:ext uri="{BB962C8B-B14F-4D97-AF65-F5344CB8AC3E}">
+        <p14:creationId xmlns:p14="http://schemas.microsoft.com/office/powerpoint/2010/main" val="2335537898"/>
+      </p:ext>
+    </p:extLst>
+  </p:cSld>
+  <p:clrMapOvr>
+    <a:masterClrMapping/>
+  </p:clrMapOvr>
+</p:notes>
+</file>
+
+<file path=ppt/notesSlides/notesSlide6.xml><?xml version="1.0" encoding="utf-8"?>
+<p:notes xmlns:a="http://schemas.openxmlformats.org/drawingml/2006/main" xmlns:r="http://schemas.openxmlformats.org/officeDocument/2006/relationships" xmlns:p="http://schemas.openxmlformats.org/presentationml/2006/main">
+  <p:cSld>
+    <p:spTree>
+      <p:nvGrpSpPr>
+        <p:cNvPr id="1" name=""/>
+        <p:cNvGrpSpPr/>
+        <p:nvPr/>
+      </p:nvGrpSpPr>
+      <p:grpSpPr>
+        <a:xfrm>
+          <a:off x="0" y="0"/>
+          <a:ext cx="0" cy="0"/>
+          <a:chOff x="0" y="0"/>
+          <a:chExt cx="0" cy="0"/>
+        </a:xfrm>
+      </p:grpSpPr>
+      <p:sp>
+        <p:nvSpPr>
+          <p:cNvPr id="2" name="Slide Image Placeholder 1"/>
+          <p:cNvSpPr>
+            <a:spLocks noGrp="1" noRot="1" noChangeAspect="1"/>
+          </p:cNvSpPr>
+          <p:nvPr>
+            <p:ph type="sldImg"/>
+          </p:nvPr>
+        </p:nvSpPr>
+        <p:spPr/>
+      </p:sp>
+      <p:sp>
+        <p:nvSpPr>
+          <p:cNvPr id="3" name="Notes Placeholder 2"/>
+          <p:cNvSpPr>
+            <a:spLocks noGrp="1"/>
+          </p:cNvSpPr>
+          <p:nvPr>
+            <p:ph type="body" idx="1"/>
+          </p:nvPr>
+        </p:nvSpPr>
+        <p:spPr/>
+        <p:txBody>
+          <a:bodyPr/>
+          <a:lstStyle/>
+          <a:p>
+            <a:r>
+              <a:rPr lang="en-US" dirty="0"/>
+              <a:t>Don’t forget:</a:t>
+            </a:r>
+          </a:p>
+          <a:p>
+            <a:pPr marL="342900" indent="-342900">
+              <a:buFont typeface="Wingdings" panose="05000000000000000000" pitchFamily="2" charset="2"/>
+              <a:buChar char="ü"/>
+            </a:pPr>
+            <a:r>
+              <a:rPr lang="en-US" sz="1200" b="1" dirty="0">
+                <a:latin typeface="Times New Roman" panose="02020603050405020304" pitchFamily="18" charset="0"/>
+                <a:cs typeface="Times New Roman" panose="02020603050405020304" pitchFamily="18" charset="0"/>
+              </a:rPr>
+              <a:t>Be sure you use the link in your confirmation email to set up your account</a:t>
+            </a:r>
+          </a:p>
+          <a:p>
+            <a:pPr marL="342900" indent="-342900">
+              <a:buFont typeface="Wingdings" panose="05000000000000000000" pitchFamily="2" charset="2"/>
+              <a:buChar char="ü"/>
+            </a:pPr>
+            <a:r>
+              <a:rPr lang="en-US" sz="1200" b="1" dirty="0">
+                <a:latin typeface="Times New Roman" panose="02020603050405020304" pitchFamily="18" charset="0"/>
+                <a:cs typeface="Times New Roman" panose="02020603050405020304" pitchFamily="18" charset="0"/>
+              </a:rPr>
+              <a:t>This competition is free and for students</a:t>
+            </a:r>
+          </a:p>
+          <a:p>
+            <a:pPr marL="342900" indent="-342900">
+              <a:buFont typeface="Wingdings" panose="05000000000000000000" pitchFamily="2" charset="2"/>
+              <a:buChar char="ü"/>
+            </a:pPr>
+            <a:r>
+              <a:rPr lang="en-US" sz="1200" b="1" dirty="0">
+                <a:latin typeface="Times New Roman" panose="02020603050405020304" pitchFamily="18" charset="0"/>
+                <a:cs typeface="Times New Roman" panose="02020603050405020304" pitchFamily="18" charset="0"/>
+              </a:rPr>
+              <a:t>You do NOT need to enter any banking or funding info</a:t>
+            </a:r>
+          </a:p>
+          <a:p>
+            <a:pPr marL="342900" indent="-342900">
+              <a:buFont typeface="Wingdings" panose="05000000000000000000" pitchFamily="2" charset="2"/>
+              <a:buChar char="ü"/>
+            </a:pPr>
+            <a:r>
+              <a:rPr lang="en-US" sz="1200" b="1" dirty="0">
+                <a:latin typeface="Times New Roman" panose="02020603050405020304" pitchFamily="18" charset="0"/>
+                <a:cs typeface="Times New Roman" panose="02020603050405020304" pitchFamily="18" charset="0"/>
+              </a:rPr>
+              <a:t>You do NOT need to answer any more questions than what you saw in this video</a:t>
+            </a:r>
+          </a:p>
+          <a:p>
+            <a:pPr marL="342900" indent="-342900">
+              <a:buFont typeface="Wingdings" panose="05000000000000000000" pitchFamily="2" charset="2"/>
+              <a:buChar char="ü"/>
+            </a:pPr>
+            <a:endParaRPr lang="en-US" sz="1200" b="1" dirty="0">
+              <a:latin typeface="Times New Roman" panose="02020603050405020304" pitchFamily="18" charset="0"/>
+              <a:cs typeface="Times New Roman" panose="02020603050405020304" pitchFamily="18" charset="0"/>
+            </a:endParaRPr>
+          </a:p>
+          <a:p>
+            <a:r>
+              <a:rPr lang="en-US" sz="1200" b="1" dirty="0">
+                <a:latin typeface="Times New Roman" panose="02020603050405020304" pitchFamily="18" charset="0"/>
+                <a:cs typeface="Times New Roman" panose="02020603050405020304" pitchFamily="18" charset="0"/>
+                <a:sym typeface="Wingdings" panose="05000000000000000000" pitchFamily="2" charset="2"/>
+              </a:rPr>
+              <a:t> Post on the Discord with any questions!</a:t>
+            </a:r>
+            <a:endParaRPr lang="en-US" sz="1200" b="1" dirty="0">
+              <a:latin typeface="Times New Roman" panose="02020603050405020304" pitchFamily="18" charset="0"/>
+              <a:cs typeface="Times New Roman" panose="02020603050405020304" pitchFamily="18" charset="0"/>
+            </a:endParaRPr>
+          </a:p>
+          <a:p>
+            <a:endParaRPr lang="en-US" dirty="0"/>
+          </a:p>
+        </p:txBody>
+      </p:sp>
+      <p:sp>
+        <p:nvSpPr>
+          <p:cNvPr id="4" name="Slide Number Placeholder 3"/>
+          <p:cNvSpPr>
+            <a:spLocks noGrp="1"/>
+          </p:cNvSpPr>
+          <p:nvPr>
+            <p:ph type="sldNum" sz="quarter" idx="5"/>
+          </p:nvPr>
+        </p:nvSpPr>
+        <p:spPr/>
+        <p:txBody>
+          <a:bodyPr/>
+          <a:lstStyle/>
+          <a:p>
+            <a:fld id="{F88AA3CA-4187-4A8D-B3EF-E554AEF6C3ED}" type="slidenum">
+              <a:rPr lang="en-US" smtClean="0"/>
+              <a:t>6</a:t>
+            </a:fld>
+            <a:endParaRPr lang="en-US"/>
+          </a:p>
+        </p:txBody>
+      </p:sp>
+    </p:spTree>
+    <p:extLst>
+      <p:ext uri="{BB962C8B-B14F-4D97-AF65-F5344CB8AC3E}">
+        <p14:creationId xmlns:p14="http://schemas.microsoft.com/office/powerpoint/2010/main" val="3392643683"/>
       </p:ext>
     </p:extLst>
   </p:cSld>
@@ -3965,7 +4437,7 @@
           <p:nvPr/>
         </p:nvPicPr>
         <p:blipFill>
-          <a:blip r:embed="rId2"/>
+          <a:blip r:embed="rId3"/>
           <a:stretch>
             <a:fillRect/>
           </a:stretch>
@@ -3980,6 +4452,188 @@
           </a:prstGeom>
         </p:spPr>
       </p:pic>
+      <p:sp>
+        <p:nvSpPr>
+          <p:cNvPr id="2" name="Rectangle 1">
+            <a:extLst>
+              <a:ext uri="{FF2B5EF4-FFF2-40B4-BE49-F238E27FC236}">
+                <a16:creationId xmlns:a16="http://schemas.microsoft.com/office/drawing/2014/main" id="{EAC4A5ED-B747-5AAF-FFAB-22607336BCAD}"/>
+              </a:ext>
+            </a:extLst>
+          </p:cNvPr>
+          <p:cNvSpPr/>
+          <p:nvPr/>
+        </p:nvSpPr>
+        <p:spPr>
+          <a:xfrm>
+            <a:off x="2964874" y="3509818"/>
+            <a:ext cx="1607127" cy="304800"/>
+          </a:xfrm>
+          <a:prstGeom prst="rect">
+            <a:avLst/>
+          </a:prstGeom>
+          <a:noFill/>
+          <a:ln w="19050">
+            <a:solidFill>
+              <a:srgbClr val="C00000"/>
+            </a:solidFill>
+          </a:ln>
+        </p:spPr>
+        <p:style>
+          <a:lnRef idx="2">
+            <a:schemeClr val="accent1">
+              <a:shade val="15000"/>
+            </a:schemeClr>
+          </a:lnRef>
+          <a:fillRef idx="1">
+            <a:schemeClr val="accent1"/>
+          </a:fillRef>
+          <a:effectRef idx="0">
+            <a:schemeClr val="accent1"/>
+          </a:effectRef>
+          <a:fontRef idx="minor">
+            <a:schemeClr val="lt1"/>
+          </a:fontRef>
+        </p:style>
+        <p:txBody>
+          <a:bodyPr rtlCol="0" anchor="ctr"/>
+          <a:lstStyle/>
+          <a:p>
+            <a:pPr algn="ctr"/>
+            <a:endParaRPr lang="en-US"/>
+          </a:p>
+        </p:txBody>
+      </p:sp>
+      <p:sp>
+        <p:nvSpPr>
+          <p:cNvPr id="3" name="Rectangle 2">
+            <a:extLst>
+              <a:ext uri="{FF2B5EF4-FFF2-40B4-BE49-F238E27FC236}">
+                <a16:creationId xmlns:a16="http://schemas.microsoft.com/office/drawing/2014/main" id="{4CD1503B-D2F4-129E-12A3-43E072F9ED73}"/>
+              </a:ext>
+            </a:extLst>
+          </p:cNvPr>
+          <p:cNvSpPr/>
+          <p:nvPr/>
+        </p:nvSpPr>
+        <p:spPr>
+          <a:xfrm>
+            <a:off x="106220" y="4262583"/>
+            <a:ext cx="5795817" cy="207818"/>
+          </a:xfrm>
+          <a:prstGeom prst="rect">
+            <a:avLst/>
+          </a:prstGeom>
+          <a:noFill/>
+          <a:ln w="19050">
+            <a:solidFill>
+              <a:srgbClr val="C00000"/>
+            </a:solidFill>
+          </a:ln>
+        </p:spPr>
+        <p:style>
+          <a:lnRef idx="2">
+            <a:schemeClr val="accent1">
+              <a:shade val="15000"/>
+            </a:schemeClr>
+          </a:lnRef>
+          <a:fillRef idx="1">
+            <a:schemeClr val="accent1"/>
+          </a:fillRef>
+          <a:effectRef idx="0">
+            <a:schemeClr val="accent1"/>
+          </a:effectRef>
+          <a:fontRef idx="minor">
+            <a:schemeClr val="lt1"/>
+          </a:fontRef>
+        </p:style>
+        <p:txBody>
+          <a:bodyPr rtlCol="0" anchor="ctr"/>
+          <a:lstStyle/>
+          <a:p>
+            <a:pPr algn="ctr"/>
+            <a:endParaRPr lang="en-US"/>
+          </a:p>
+        </p:txBody>
+      </p:sp>
+      <p:sp>
+        <p:nvSpPr>
+          <p:cNvPr id="4" name="TextBox 3">
+            <a:extLst>
+              <a:ext uri="{FF2B5EF4-FFF2-40B4-BE49-F238E27FC236}">
+                <a16:creationId xmlns:a16="http://schemas.microsoft.com/office/drawing/2014/main" id="{61C8CFB5-4409-0E5A-7E62-0B5CFFE794DB}"/>
+              </a:ext>
+            </a:extLst>
+          </p:cNvPr>
+          <p:cNvSpPr txBox="1"/>
+          <p:nvPr/>
+        </p:nvSpPr>
+        <p:spPr>
+          <a:xfrm>
+            <a:off x="4572001" y="3445286"/>
+            <a:ext cx="1681101" cy="369332"/>
+          </a:xfrm>
+          <a:prstGeom prst="rect">
+            <a:avLst/>
+          </a:prstGeom>
+          <a:noFill/>
+        </p:spPr>
+        <p:txBody>
+          <a:bodyPr wrap="none" rtlCol="0">
+            <a:spAutoFit/>
+          </a:bodyPr>
+          <a:lstStyle/>
+          <a:p>
+            <a:r>
+              <a:rPr lang="en-US" b="1" dirty="0">
+                <a:solidFill>
+                  <a:srgbClr val="C00000"/>
+                </a:solidFill>
+              </a:rPr>
+              <a:t>Join the discord</a:t>
+            </a:r>
+          </a:p>
+        </p:txBody>
+      </p:sp>
+      <p:sp>
+        <p:nvSpPr>
+          <p:cNvPr id="5" name="TextBox 4">
+            <a:extLst>
+              <a:ext uri="{FF2B5EF4-FFF2-40B4-BE49-F238E27FC236}">
+                <a16:creationId xmlns:a16="http://schemas.microsoft.com/office/drawing/2014/main" id="{532E5E6D-21C6-4B1F-2956-62F206CF1ED9}"/>
+              </a:ext>
+            </a:extLst>
+          </p:cNvPr>
+          <p:cNvSpPr txBox="1"/>
+          <p:nvPr/>
+        </p:nvSpPr>
+        <p:spPr>
+          <a:xfrm>
+            <a:off x="5902037" y="4181826"/>
+            <a:ext cx="2623795" cy="369332"/>
+          </a:xfrm>
+          <a:prstGeom prst="rect">
+            <a:avLst/>
+          </a:prstGeom>
+          <a:noFill/>
+        </p:spPr>
+        <p:txBody>
+          <a:bodyPr wrap="none" rtlCol="0">
+            <a:spAutoFit/>
+          </a:bodyPr>
+          <a:lstStyle/>
+          <a:p>
+            <a:r>
+              <a:rPr lang="en-US" b="1" dirty="0">
+                <a:solidFill>
+                  <a:srgbClr val="C00000"/>
+                </a:solidFill>
+              </a:rPr>
+              <a:t>Create your paper trader!</a:t>
+            </a:r>
+          </a:p>
+        </p:txBody>
+      </p:sp>
     </p:spTree>
     <p:extLst>
       <p:ext uri="{BB962C8B-B14F-4D97-AF65-F5344CB8AC3E}">
@@ -3990,6 +4644,186 @@
   <p:clrMapOvr>
     <a:masterClrMapping/>
   </p:clrMapOvr>
+  <p:timing>
+    <p:tnLst>
+      <p:par>
+        <p:cTn id="1" dur="indefinite" restart="never" nodeType="tmRoot">
+          <p:childTnLst>
+            <p:seq concurrent="1" nextAc="seek">
+              <p:cTn id="2" dur="indefinite" nodeType="mainSeq">
+                <p:childTnLst>
+                  <p:par>
+                    <p:cTn id="3" fill="hold">
+                      <p:stCondLst>
+                        <p:cond delay="indefinite"/>
+                      </p:stCondLst>
+                      <p:childTnLst>
+                        <p:par>
+                          <p:cTn id="4" fill="hold">
+                            <p:stCondLst>
+                              <p:cond delay="0"/>
+                            </p:stCondLst>
+                            <p:childTnLst>
+                              <p:par>
+                                <p:cTn id="5" presetID="1" presetClass="entr" presetSubtype="0" fill="hold" grpId="0" nodeType="clickEffect">
+                                  <p:stCondLst>
+                                    <p:cond delay="0"/>
+                                  </p:stCondLst>
+                                  <p:childTnLst>
+                                    <p:set>
+                                      <p:cBhvr>
+                                        <p:cTn id="6" dur="1" fill="hold">
+                                          <p:stCondLst>
+                                            <p:cond delay="0"/>
+                                          </p:stCondLst>
+                                        </p:cTn>
+                                        <p:tgtEl>
+                                          <p:spTgt spid="2"/>
+                                        </p:tgtEl>
+                                        <p:attrNameLst>
+                                          <p:attrName>style.visibility</p:attrName>
+                                        </p:attrNameLst>
+                                      </p:cBhvr>
+                                      <p:to>
+                                        <p:strVal val="visible"/>
+                                      </p:to>
+                                    </p:set>
+                                  </p:childTnLst>
+                                </p:cTn>
+                              </p:par>
+                              <p:par>
+                                <p:cTn id="7" presetID="1" presetClass="entr" presetSubtype="0" fill="hold" grpId="0" nodeType="withEffect">
+                                  <p:stCondLst>
+                                    <p:cond delay="0"/>
+                                  </p:stCondLst>
+                                  <p:childTnLst>
+                                    <p:set>
+                                      <p:cBhvr>
+                                        <p:cTn id="8" dur="1" fill="hold">
+                                          <p:stCondLst>
+                                            <p:cond delay="0"/>
+                                          </p:stCondLst>
+                                        </p:cTn>
+                                        <p:tgtEl>
+                                          <p:spTgt spid="4"/>
+                                        </p:tgtEl>
+                                        <p:attrNameLst>
+                                          <p:attrName>style.visibility</p:attrName>
+                                        </p:attrNameLst>
+                                      </p:cBhvr>
+                                      <p:to>
+                                        <p:strVal val="visible"/>
+                                      </p:to>
+                                    </p:set>
+                                  </p:childTnLst>
+                                </p:cTn>
+                              </p:par>
+                            </p:childTnLst>
+                          </p:cTn>
+                        </p:par>
+                      </p:childTnLst>
+                    </p:cTn>
+                  </p:par>
+                  <p:par>
+                    <p:cTn id="9" fill="hold">
+                      <p:stCondLst>
+                        <p:cond delay="indefinite"/>
+                      </p:stCondLst>
+                      <p:childTnLst>
+                        <p:par>
+                          <p:cTn id="10" fill="hold">
+                            <p:stCondLst>
+                              <p:cond delay="0"/>
+                            </p:stCondLst>
+                            <p:childTnLst>
+                              <p:par>
+                                <p:cTn id="11" presetID="1" presetClass="entr" presetSubtype="0" fill="hold" grpId="0" nodeType="clickEffect">
+                                  <p:stCondLst>
+                                    <p:cond delay="0"/>
+                                  </p:stCondLst>
+                                  <p:childTnLst>
+                                    <p:set>
+                                      <p:cBhvr>
+                                        <p:cTn id="12" dur="1" fill="hold">
+                                          <p:stCondLst>
+                                            <p:cond delay="0"/>
+                                          </p:stCondLst>
+                                        </p:cTn>
+                                        <p:tgtEl>
+                                          <p:spTgt spid="3"/>
+                                        </p:tgtEl>
+                                        <p:attrNameLst>
+                                          <p:attrName>style.visibility</p:attrName>
+                                        </p:attrNameLst>
+                                      </p:cBhvr>
+                                      <p:to>
+                                        <p:strVal val="visible"/>
+                                      </p:to>
+                                    </p:set>
+                                  </p:childTnLst>
+                                </p:cTn>
+                              </p:par>
+                              <p:par>
+                                <p:cTn id="13" presetID="1" presetClass="entr" presetSubtype="0" fill="hold" grpId="0" nodeType="withEffect">
+                                  <p:stCondLst>
+                                    <p:cond delay="0"/>
+                                  </p:stCondLst>
+                                  <p:childTnLst>
+                                    <p:set>
+                                      <p:cBhvr>
+                                        <p:cTn id="14" dur="1" fill="hold">
+                                          <p:stCondLst>
+                                            <p:cond delay="0"/>
+                                          </p:stCondLst>
+                                        </p:cTn>
+                                        <p:tgtEl>
+                                          <p:spTgt spid="5"/>
+                                        </p:tgtEl>
+                                        <p:attrNameLst>
+                                          <p:attrName>style.visibility</p:attrName>
+                                        </p:attrNameLst>
+                                      </p:cBhvr>
+                                      <p:to>
+                                        <p:strVal val="visible"/>
+                                      </p:to>
+                                    </p:set>
+                                  </p:childTnLst>
+                                </p:cTn>
+                              </p:par>
+                            </p:childTnLst>
+                          </p:cTn>
+                        </p:par>
+                      </p:childTnLst>
+                    </p:cTn>
+                  </p:par>
+                </p:childTnLst>
+              </p:cTn>
+              <p:prevCondLst>
+                <p:cond evt="onPrev" delay="0">
+                  <p:tgtEl>
+                    <p:sldTgt/>
+                  </p:tgtEl>
+                </p:cond>
+              </p:prevCondLst>
+              <p:nextCondLst>
+                <p:cond evt="onNext" delay="0">
+                  <p:tgtEl>
+                    <p:sldTgt/>
+                  </p:tgtEl>
+                </p:cond>
+              </p:nextCondLst>
+            </p:seq>
+          </p:childTnLst>
+        </p:cTn>
+      </p:par>
+    </p:tnLst>
+    <p:bldLst>
+      <p:bldP spid="2" grpId="0" animBg="1"/>
+      <p:bldP spid="3" grpId="0" animBg="1"/>
+      <p:bldP spid="4" grpId="0"/>
+      <p:bldP spid="5" grpId="0"/>
+    </p:bldLst>
+  </p:timing>
 </p:sld>
 </file>
 
@@ -4092,10 +4926,731 @@
           </a:p>
         </p:txBody>
       </p:sp>
+      <p:sp>
+        <p:nvSpPr>
+          <p:cNvPr id="4" name="TextBox 3">
+            <a:extLst>
+              <a:ext uri="{FF2B5EF4-FFF2-40B4-BE49-F238E27FC236}">
+                <a16:creationId xmlns:a16="http://schemas.microsoft.com/office/drawing/2014/main" id="{59836F56-7D12-A288-CCB2-BEA77E0CF6D5}"/>
+              </a:ext>
+            </a:extLst>
+          </p:cNvPr>
+          <p:cNvSpPr txBox="1"/>
+          <p:nvPr/>
+        </p:nvSpPr>
+        <p:spPr>
+          <a:xfrm>
+            <a:off x="1533235" y="3579152"/>
+            <a:ext cx="3906982" cy="1477328"/>
+          </a:xfrm>
+          <a:prstGeom prst="rect">
+            <a:avLst/>
+          </a:prstGeom>
+          <a:noFill/>
+        </p:spPr>
+        <p:txBody>
+          <a:bodyPr wrap="square">
+            <a:spAutoFit/>
+          </a:bodyPr>
+          <a:lstStyle/>
+          <a:p>
+            <a:r>
+              <a:rPr lang="en-US" b="1" dirty="0">
+                <a:solidFill>
+                  <a:srgbClr val="FFFF00"/>
+                </a:solidFill>
+                <a:latin typeface="Times New Roman" panose="02020603050405020304" pitchFamily="18" charset="0"/>
+                <a:cs typeface="Times New Roman" panose="02020603050405020304" pitchFamily="18" charset="0"/>
+              </a:rPr>
+              <a:t>Competition admins don’t have access to the password &amp; username you choose for your paper trader – SO BE SURE TO WRITE IT DOWN SOMEWHERE SAFE!! </a:t>
+            </a:r>
+            <a:r>
+              <a:rPr lang="en-US" b="1" dirty="0">
+                <a:solidFill>
+                  <a:srgbClr val="FFFF00"/>
+                </a:solidFill>
+                <a:latin typeface="Times New Roman" panose="02020603050405020304" pitchFamily="18" charset="0"/>
+                <a:cs typeface="Times New Roman" panose="02020603050405020304" pitchFamily="18" charset="0"/>
+                <a:sym typeface="Wingdings" panose="05000000000000000000" pitchFamily="2" charset="2"/>
+              </a:rPr>
+              <a:t></a:t>
+            </a:r>
+            <a:endParaRPr lang="en-US" dirty="0">
+              <a:solidFill>
+                <a:srgbClr val="FFFF00"/>
+              </a:solidFill>
+            </a:endParaRPr>
+          </a:p>
+        </p:txBody>
+      </p:sp>
+      <p:cxnSp>
+        <p:nvCxnSpPr>
+          <p:cNvPr id="6" name="Straight Arrow Connector 5">
+            <a:extLst>
+              <a:ext uri="{FF2B5EF4-FFF2-40B4-BE49-F238E27FC236}">
+                <a16:creationId xmlns:a16="http://schemas.microsoft.com/office/drawing/2014/main" id="{83B3F846-EDAF-716E-0AC1-FCD6CE3EF463}"/>
+              </a:ext>
+            </a:extLst>
+          </p:cNvPr>
+          <p:cNvCxnSpPr/>
+          <p:nvPr/>
+        </p:nvCxnSpPr>
+        <p:spPr>
+          <a:xfrm flipV="1">
+            <a:off x="5726545" y="3428999"/>
+            <a:ext cx="905164" cy="311728"/>
+          </a:xfrm>
+          <a:prstGeom prst="straightConnector1">
+            <a:avLst/>
+          </a:prstGeom>
+          <a:ln w="25400">
+            <a:solidFill>
+              <a:srgbClr val="C00000"/>
+            </a:solidFill>
+            <a:tailEnd type="triangle"/>
+          </a:ln>
+        </p:spPr>
+        <p:style>
+          <a:lnRef idx="1">
+            <a:schemeClr val="accent1"/>
+          </a:lnRef>
+          <a:fillRef idx="0">
+            <a:schemeClr val="accent1"/>
+          </a:fillRef>
+          <a:effectRef idx="0">
+            <a:schemeClr val="accent1"/>
+          </a:effectRef>
+          <a:fontRef idx="minor">
+            <a:schemeClr val="tx1"/>
+          </a:fontRef>
+        </p:style>
+      </p:cxnSp>
+      <p:cxnSp>
+        <p:nvCxnSpPr>
+          <p:cNvPr id="7" name="Straight Arrow Connector 6">
+            <a:extLst>
+              <a:ext uri="{FF2B5EF4-FFF2-40B4-BE49-F238E27FC236}">
+                <a16:creationId xmlns:a16="http://schemas.microsoft.com/office/drawing/2014/main" id="{B91884B1-DAFA-FAE2-FB10-454B53426F84}"/>
+              </a:ext>
+            </a:extLst>
+          </p:cNvPr>
+          <p:cNvCxnSpPr>
+            <a:cxnSpLocks/>
+          </p:cNvCxnSpPr>
+          <p:nvPr/>
+        </p:nvCxnSpPr>
+        <p:spPr>
+          <a:xfrm>
+            <a:off x="5634182" y="4156364"/>
+            <a:ext cx="997527" cy="0"/>
+          </a:xfrm>
+          <a:prstGeom prst="straightConnector1">
+            <a:avLst/>
+          </a:prstGeom>
+          <a:ln w="25400">
+            <a:solidFill>
+              <a:srgbClr val="C00000"/>
+            </a:solidFill>
+            <a:tailEnd type="triangle"/>
+          </a:ln>
+        </p:spPr>
+        <p:style>
+          <a:lnRef idx="1">
+            <a:schemeClr val="accent1"/>
+          </a:lnRef>
+          <a:fillRef idx="0">
+            <a:schemeClr val="accent1"/>
+          </a:fillRef>
+          <a:effectRef idx="0">
+            <a:schemeClr val="accent1"/>
+          </a:effectRef>
+          <a:fontRef idx="minor">
+            <a:schemeClr val="tx1"/>
+          </a:fontRef>
+        </p:style>
+      </p:cxnSp>
     </p:spTree>
     <p:extLst>
       <p:ext uri="{BB962C8B-B14F-4D97-AF65-F5344CB8AC3E}">
         <p14:creationId xmlns:p14="http://schemas.microsoft.com/office/powerpoint/2010/main" val="745236342"/>
+      </p:ext>
+    </p:extLst>
+  </p:cSld>
+  <p:clrMapOvr>
+    <a:masterClrMapping/>
+  </p:clrMapOvr>
+  <p:timing>
+    <p:tnLst>
+      <p:par>
+        <p:cTn id="1" dur="indefinite" restart="never" nodeType="tmRoot">
+          <p:childTnLst>
+            <p:seq concurrent="1" nextAc="seek">
+              <p:cTn id="2" dur="indefinite" nodeType="mainSeq">
+                <p:childTnLst>
+                  <p:par>
+                    <p:cTn id="3" fill="hold">
+                      <p:stCondLst>
+                        <p:cond delay="indefinite"/>
+                      </p:stCondLst>
+                      <p:childTnLst>
+                        <p:par>
+                          <p:cTn id="4" fill="hold">
+                            <p:stCondLst>
+                              <p:cond delay="0"/>
+                            </p:stCondLst>
+                            <p:childTnLst>
+                              <p:par>
+                                <p:cTn id="5" presetID="1" presetClass="entr" presetSubtype="0" fill="hold" grpId="0" nodeType="clickEffect">
+                                  <p:stCondLst>
+                                    <p:cond delay="0"/>
+                                  </p:stCondLst>
+                                  <p:childTnLst>
+                                    <p:set>
+                                      <p:cBhvr>
+                                        <p:cTn id="6" dur="1" fill="hold">
+                                          <p:stCondLst>
+                                            <p:cond delay="0"/>
+                                          </p:stCondLst>
+                                        </p:cTn>
+                                        <p:tgtEl>
+                                          <p:spTgt spid="4"/>
+                                        </p:tgtEl>
+                                        <p:attrNameLst>
+                                          <p:attrName>style.visibility</p:attrName>
+                                        </p:attrNameLst>
+                                      </p:cBhvr>
+                                      <p:to>
+                                        <p:strVal val="visible"/>
+                                      </p:to>
+                                    </p:set>
+                                  </p:childTnLst>
+                                </p:cTn>
+                              </p:par>
+                              <p:par>
+                                <p:cTn id="7" presetID="1" presetClass="entr" presetSubtype="0" fill="hold" nodeType="withEffect">
+                                  <p:stCondLst>
+                                    <p:cond delay="0"/>
+                                  </p:stCondLst>
+                                  <p:childTnLst>
+                                    <p:set>
+                                      <p:cBhvr>
+                                        <p:cTn id="8" dur="1" fill="hold">
+                                          <p:stCondLst>
+                                            <p:cond delay="0"/>
+                                          </p:stCondLst>
+                                        </p:cTn>
+                                        <p:tgtEl>
+                                          <p:spTgt spid="7"/>
+                                        </p:tgtEl>
+                                        <p:attrNameLst>
+                                          <p:attrName>style.visibility</p:attrName>
+                                        </p:attrNameLst>
+                                      </p:cBhvr>
+                                      <p:to>
+                                        <p:strVal val="visible"/>
+                                      </p:to>
+                                    </p:set>
+                                  </p:childTnLst>
+                                </p:cTn>
+                              </p:par>
+                              <p:par>
+                                <p:cTn id="9" presetID="1" presetClass="entr" presetSubtype="0" fill="hold" nodeType="withEffect">
+                                  <p:stCondLst>
+                                    <p:cond delay="0"/>
+                                  </p:stCondLst>
+                                  <p:childTnLst>
+                                    <p:set>
+                                      <p:cBhvr>
+                                        <p:cTn id="10" dur="1" fill="hold">
+                                          <p:stCondLst>
+                                            <p:cond delay="0"/>
+                                          </p:stCondLst>
+                                        </p:cTn>
+                                        <p:tgtEl>
+                                          <p:spTgt spid="6"/>
+                                        </p:tgtEl>
+                                        <p:attrNameLst>
+                                          <p:attrName>style.visibility</p:attrName>
+                                        </p:attrNameLst>
+                                      </p:cBhvr>
+                                      <p:to>
+                                        <p:strVal val="visible"/>
+                                      </p:to>
+                                    </p:set>
+                                  </p:childTnLst>
+                                </p:cTn>
+                              </p:par>
+                            </p:childTnLst>
+                          </p:cTn>
+                        </p:par>
+                      </p:childTnLst>
+                    </p:cTn>
+                  </p:par>
+                  <p:par>
+                    <p:cTn id="11" fill="hold">
+                      <p:stCondLst>
+                        <p:cond delay="indefinite"/>
+                      </p:stCondLst>
+                      <p:childTnLst>
+                        <p:par>
+                          <p:cTn id="12" fill="hold">
+                            <p:stCondLst>
+                              <p:cond delay="0"/>
+                            </p:stCondLst>
+                            <p:childTnLst>
+                              <p:par>
+                                <p:cTn id="13" presetID="1" presetClass="entr" presetSubtype="0" fill="hold" grpId="0" nodeType="clickEffect">
+                                  <p:stCondLst>
+                                    <p:cond delay="0"/>
+                                  </p:stCondLst>
+                                  <p:childTnLst>
+                                    <p:set>
+                                      <p:cBhvr>
+                                        <p:cTn id="14" dur="1" fill="hold">
+                                          <p:stCondLst>
+                                            <p:cond delay="0"/>
+                                          </p:stCondLst>
+                                        </p:cTn>
+                                        <p:tgtEl>
+                                          <p:spTgt spid="2"/>
+                                        </p:tgtEl>
+                                        <p:attrNameLst>
+                                          <p:attrName>style.visibility</p:attrName>
+                                        </p:attrNameLst>
+                                      </p:cBhvr>
+                                      <p:to>
+                                        <p:strVal val="visible"/>
+                                      </p:to>
+                                    </p:set>
+                                  </p:childTnLst>
+                                </p:cTn>
+                              </p:par>
+                            </p:childTnLst>
+                          </p:cTn>
+                        </p:par>
+                      </p:childTnLst>
+                    </p:cTn>
+                  </p:par>
+                </p:childTnLst>
+              </p:cTn>
+              <p:prevCondLst>
+                <p:cond evt="onPrev" delay="0">
+                  <p:tgtEl>
+                    <p:sldTgt/>
+                  </p:tgtEl>
+                </p:cond>
+              </p:prevCondLst>
+              <p:nextCondLst>
+                <p:cond evt="onNext" delay="0">
+                  <p:tgtEl>
+                    <p:sldTgt/>
+                  </p:tgtEl>
+                </p:cond>
+              </p:nextCondLst>
+            </p:seq>
+          </p:childTnLst>
+        </p:cTn>
+      </p:par>
+    </p:tnLst>
+    <p:bldLst>
+      <p:bldP spid="2" grpId="0" animBg="1"/>
+      <p:bldP spid="4" grpId="0"/>
+    </p:bldLst>
+  </p:timing>
+</p:sld>
+</file>
+
+<file path=ppt/slides/slide4.xml><?xml version="1.0" encoding="utf-8"?>
+<p:sld xmlns:a="http://schemas.openxmlformats.org/drawingml/2006/main" xmlns:r="http://schemas.openxmlformats.org/officeDocument/2006/relationships" xmlns:p="http://schemas.openxmlformats.org/presentationml/2006/main">
+  <p:cSld>
+    <p:spTree>
+      <p:nvGrpSpPr>
+        <p:cNvPr id="1" name=""/>
+        <p:cNvGrpSpPr/>
+        <p:nvPr/>
+      </p:nvGrpSpPr>
+      <p:grpSpPr>
+        <a:xfrm>
+          <a:off x="0" y="0"/>
+          <a:ext cx="0" cy="0"/>
+          <a:chOff x="0" y="0"/>
+          <a:chExt cx="0" cy="0"/>
+        </a:xfrm>
+      </p:grpSpPr>
+      <p:pic>
+        <p:nvPicPr>
+          <p:cNvPr id="6" name="Picture 5">
+            <a:extLst>
+              <a:ext uri="{FF2B5EF4-FFF2-40B4-BE49-F238E27FC236}">
+                <a16:creationId xmlns:a16="http://schemas.microsoft.com/office/drawing/2014/main" id="{F73AC1B6-C3EF-C9FD-3E8D-E77A08FBEAE9}"/>
+              </a:ext>
+            </a:extLst>
+          </p:cNvPr>
+          <p:cNvPicPr>
+            <a:picLocks noChangeAspect="1"/>
+          </p:cNvPicPr>
+          <p:nvPr/>
+        </p:nvPicPr>
+        <p:blipFill>
+          <a:blip r:embed="rId3"/>
+          <a:stretch>
+            <a:fillRect/>
+          </a:stretch>
+        </p:blipFill>
+        <p:spPr>
+          <a:xfrm>
+            <a:off x="1992777" y="0"/>
+            <a:ext cx="8206445" cy="6858000"/>
+          </a:xfrm>
+          <a:prstGeom prst="rect">
+            <a:avLst/>
+          </a:prstGeom>
+        </p:spPr>
+      </p:pic>
+      <p:sp>
+        <p:nvSpPr>
+          <p:cNvPr id="7" name="Rectangle 6">
+            <a:extLst>
+              <a:ext uri="{FF2B5EF4-FFF2-40B4-BE49-F238E27FC236}">
+                <a16:creationId xmlns:a16="http://schemas.microsoft.com/office/drawing/2014/main" id="{BA6607F2-F17E-155C-2A94-B87256333785}"/>
+              </a:ext>
+            </a:extLst>
+          </p:cNvPr>
+          <p:cNvSpPr/>
+          <p:nvPr/>
+        </p:nvSpPr>
+        <p:spPr>
+          <a:xfrm>
+            <a:off x="8848437" y="0"/>
+            <a:ext cx="1080654" cy="314036"/>
+          </a:xfrm>
+          <a:prstGeom prst="rect">
+            <a:avLst/>
+          </a:prstGeom>
+          <a:noFill/>
+          <a:ln w="57150">
+            <a:solidFill>
+              <a:srgbClr val="C00000"/>
+            </a:solidFill>
+          </a:ln>
+        </p:spPr>
+        <p:style>
+          <a:lnRef idx="2">
+            <a:schemeClr val="accent1">
+              <a:shade val="15000"/>
+            </a:schemeClr>
+          </a:lnRef>
+          <a:fillRef idx="1">
+            <a:schemeClr val="accent1"/>
+          </a:fillRef>
+          <a:effectRef idx="0">
+            <a:schemeClr val="accent1"/>
+          </a:effectRef>
+          <a:fontRef idx="minor">
+            <a:schemeClr val="lt1"/>
+          </a:fontRef>
+        </p:style>
+        <p:txBody>
+          <a:bodyPr rtlCol="0" anchor="ctr"/>
+          <a:lstStyle/>
+          <a:p>
+            <a:pPr algn="ctr"/>
+            <a:endParaRPr lang="en-US"/>
+          </a:p>
+        </p:txBody>
+      </p:sp>
+      <p:sp>
+        <p:nvSpPr>
+          <p:cNvPr id="2" name="Rectangle 1">
+            <a:extLst>
+              <a:ext uri="{FF2B5EF4-FFF2-40B4-BE49-F238E27FC236}">
+                <a16:creationId xmlns:a16="http://schemas.microsoft.com/office/drawing/2014/main" id="{9D12230A-ACAE-6586-EF3B-4E30134CEFC2}"/>
+              </a:ext>
+            </a:extLst>
+          </p:cNvPr>
+          <p:cNvSpPr/>
+          <p:nvPr/>
+        </p:nvSpPr>
+        <p:spPr>
+          <a:xfrm>
+            <a:off x="3417455" y="6308435"/>
+            <a:ext cx="3943927" cy="489528"/>
+          </a:xfrm>
+          <a:prstGeom prst="rect">
+            <a:avLst/>
+          </a:prstGeom>
+          <a:noFill/>
+          <a:ln w="19050">
+            <a:solidFill>
+              <a:srgbClr val="C00000"/>
+            </a:solidFill>
+          </a:ln>
+        </p:spPr>
+        <p:style>
+          <a:lnRef idx="2">
+            <a:schemeClr val="accent1">
+              <a:shade val="15000"/>
+            </a:schemeClr>
+          </a:lnRef>
+          <a:fillRef idx="1">
+            <a:schemeClr val="accent1"/>
+          </a:fillRef>
+          <a:effectRef idx="0">
+            <a:schemeClr val="accent1"/>
+          </a:effectRef>
+          <a:fontRef idx="minor">
+            <a:schemeClr val="lt1"/>
+          </a:fontRef>
+        </p:style>
+        <p:txBody>
+          <a:bodyPr rtlCol="0" anchor="ctr"/>
+          <a:lstStyle/>
+          <a:p>
+            <a:pPr algn="ctr"/>
+            <a:endParaRPr lang="en-US"/>
+          </a:p>
+        </p:txBody>
+      </p:sp>
+    </p:spTree>
+    <p:extLst>
+      <p:ext uri="{BB962C8B-B14F-4D97-AF65-F5344CB8AC3E}">
+        <p14:creationId xmlns:p14="http://schemas.microsoft.com/office/powerpoint/2010/main" val="726595469"/>
+      </p:ext>
+    </p:extLst>
+  </p:cSld>
+  <p:clrMapOvr>
+    <a:masterClrMapping/>
+  </p:clrMapOvr>
+  <p:timing>
+    <p:tnLst>
+      <p:par>
+        <p:cTn id="1" dur="indefinite" restart="never" nodeType="tmRoot">
+          <p:childTnLst>
+            <p:seq concurrent="1" nextAc="seek">
+              <p:cTn id="2" dur="indefinite" nodeType="mainSeq">
+                <p:childTnLst>
+                  <p:par>
+                    <p:cTn id="3" fill="hold">
+                      <p:stCondLst>
+                        <p:cond delay="indefinite"/>
+                      </p:stCondLst>
+                      <p:childTnLst>
+                        <p:par>
+                          <p:cTn id="4" fill="hold">
+                            <p:stCondLst>
+                              <p:cond delay="0"/>
+                            </p:stCondLst>
+                            <p:childTnLst>
+                              <p:par>
+                                <p:cTn id="5" presetID="1" presetClass="entr" presetSubtype="0" fill="hold" grpId="0" nodeType="clickEffect">
+                                  <p:stCondLst>
+                                    <p:cond delay="0"/>
+                                  </p:stCondLst>
+                                  <p:childTnLst>
+                                    <p:set>
+                                      <p:cBhvr>
+                                        <p:cTn id="6" dur="1" fill="hold">
+                                          <p:stCondLst>
+                                            <p:cond delay="0"/>
+                                          </p:stCondLst>
+                                        </p:cTn>
+                                        <p:tgtEl>
+                                          <p:spTgt spid="7"/>
+                                        </p:tgtEl>
+                                        <p:attrNameLst>
+                                          <p:attrName>style.visibility</p:attrName>
+                                        </p:attrNameLst>
+                                      </p:cBhvr>
+                                      <p:to>
+                                        <p:strVal val="visible"/>
+                                      </p:to>
+                                    </p:set>
+                                  </p:childTnLst>
+                                </p:cTn>
+                              </p:par>
+                            </p:childTnLst>
+                          </p:cTn>
+                        </p:par>
+                      </p:childTnLst>
+                    </p:cTn>
+                  </p:par>
+                  <p:par>
+                    <p:cTn id="7" fill="hold">
+                      <p:stCondLst>
+                        <p:cond delay="indefinite"/>
+                      </p:stCondLst>
+                      <p:childTnLst>
+                        <p:par>
+                          <p:cTn id="8" fill="hold">
+                            <p:stCondLst>
+                              <p:cond delay="0"/>
+                            </p:stCondLst>
+                            <p:childTnLst>
+                              <p:par>
+                                <p:cTn id="9" presetID="1" presetClass="entr" presetSubtype="0" fill="hold" grpId="0" nodeType="clickEffect">
+                                  <p:stCondLst>
+                                    <p:cond delay="0"/>
+                                  </p:stCondLst>
+                                  <p:childTnLst>
+                                    <p:set>
+                                      <p:cBhvr>
+                                        <p:cTn id="10" dur="1" fill="hold">
+                                          <p:stCondLst>
+                                            <p:cond delay="0"/>
+                                          </p:stCondLst>
+                                        </p:cTn>
+                                        <p:tgtEl>
+                                          <p:spTgt spid="2"/>
+                                        </p:tgtEl>
+                                        <p:attrNameLst>
+                                          <p:attrName>style.visibility</p:attrName>
+                                        </p:attrNameLst>
+                                      </p:cBhvr>
+                                      <p:to>
+                                        <p:strVal val="visible"/>
+                                      </p:to>
+                                    </p:set>
+                                  </p:childTnLst>
+                                </p:cTn>
+                              </p:par>
+                            </p:childTnLst>
+                          </p:cTn>
+                        </p:par>
+                      </p:childTnLst>
+                    </p:cTn>
+                  </p:par>
+                </p:childTnLst>
+              </p:cTn>
+              <p:prevCondLst>
+                <p:cond evt="onPrev" delay="0">
+                  <p:tgtEl>
+                    <p:sldTgt/>
+                  </p:tgtEl>
+                </p:cond>
+              </p:prevCondLst>
+              <p:nextCondLst>
+                <p:cond evt="onNext" delay="0">
+                  <p:tgtEl>
+                    <p:sldTgt/>
+                  </p:tgtEl>
+                </p:cond>
+              </p:nextCondLst>
+            </p:seq>
+          </p:childTnLst>
+        </p:cTn>
+      </p:par>
+    </p:tnLst>
+    <p:bldLst>
+      <p:bldP spid="7" grpId="0" animBg="1"/>
+      <p:bldP spid="2" grpId="0" animBg="1"/>
+    </p:bldLst>
+  </p:timing>
+</p:sld>
+</file>
+
+<file path=ppt/slides/slide5.xml><?xml version="1.0" encoding="utf-8"?>
+<p:sld xmlns:a="http://schemas.openxmlformats.org/drawingml/2006/main" xmlns:r="http://schemas.openxmlformats.org/officeDocument/2006/relationships" xmlns:p="http://schemas.openxmlformats.org/presentationml/2006/main">
+  <p:cSld>
+    <p:spTree>
+      <p:nvGrpSpPr>
+        <p:cNvPr id="1" name=""/>
+        <p:cNvGrpSpPr/>
+        <p:nvPr/>
+      </p:nvGrpSpPr>
+      <p:grpSpPr>
+        <a:xfrm>
+          <a:off x="0" y="0"/>
+          <a:ext cx="0" cy="0"/>
+          <a:chOff x="0" y="0"/>
+          <a:chExt cx="0" cy="0"/>
+        </a:xfrm>
+      </p:grpSpPr>
+      <p:pic>
+        <p:nvPicPr>
+          <p:cNvPr id="3" name="Picture 2">
+            <a:extLst>
+              <a:ext uri="{FF2B5EF4-FFF2-40B4-BE49-F238E27FC236}">
+                <a16:creationId xmlns:a16="http://schemas.microsoft.com/office/drawing/2014/main" id="{DB4E89BB-2EB7-46E5-0B60-6D80376883AF}"/>
+              </a:ext>
+            </a:extLst>
+          </p:cNvPr>
+          <p:cNvPicPr>
+            <a:picLocks noChangeAspect="1"/>
+          </p:cNvPicPr>
+          <p:nvPr/>
+        </p:nvPicPr>
+        <p:blipFill>
+          <a:blip r:embed="rId3"/>
+          <a:stretch>
+            <a:fillRect/>
+          </a:stretch>
+        </p:blipFill>
+        <p:spPr>
+          <a:xfrm>
+            <a:off x="399255" y="1347497"/>
+            <a:ext cx="11393490" cy="4163006"/>
+          </a:xfrm>
+          <a:prstGeom prst="rect">
+            <a:avLst/>
+          </a:prstGeom>
+        </p:spPr>
+      </p:pic>
+      <p:sp>
+        <p:nvSpPr>
+          <p:cNvPr id="2" name="Rectangle 1">
+            <a:extLst>
+              <a:ext uri="{FF2B5EF4-FFF2-40B4-BE49-F238E27FC236}">
+                <a16:creationId xmlns:a16="http://schemas.microsoft.com/office/drawing/2014/main" id="{8E2F7561-813C-7ADF-E755-B34623C27528}"/>
+              </a:ext>
+            </a:extLst>
+          </p:cNvPr>
+          <p:cNvSpPr/>
+          <p:nvPr/>
+        </p:nvSpPr>
+        <p:spPr>
+          <a:xfrm>
+            <a:off x="7259783" y="3722254"/>
+            <a:ext cx="3796144" cy="249381"/>
+          </a:xfrm>
+          <a:prstGeom prst="rect">
+            <a:avLst/>
+          </a:prstGeom>
+          <a:noFill/>
+          <a:ln w="25400">
+            <a:solidFill>
+              <a:srgbClr val="C00000"/>
+            </a:solidFill>
+          </a:ln>
+        </p:spPr>
+        <p:style>
+          <a:lnRef idx="2">
+            <a:schemeClr val="accent1">
+              <a:shade val="15000"/>
+            </a:schemeClr>
+          </a:lnRef>
+          <a:fillRef idx="1">
+            <a:schemeClr val="accent1"/>
+          </a:fillRef>
+          <a:effectRef idx="0">
+            <a:schemeClr val="accent1"/>
+          </a:effectRef>
+          <a:fontRef idx="minor">
+            <a:schemeClr val="lt1"/>
+          </a:fontRef>
+        </p:style>
+        <p:txBody>
+          <a:bodyPr rtlCol="0" anchor="ctr"/>
+          <a:lstStyle/>
+          <a:p>
+            <a:pPr algn="ctr"/>
+            <a:endParaRPr lang="en-US"/>
+          </a:p>
+        </p:txBody>
+      </p:sp>
+    </p:spTree>
+    <p:extLst>
+      <p:ext uri="{BB962C8B-B14F-4D97-AF65-F5344CB8AC3E}">
+        <p14:creationId xmlns:p14="http://schemas.microsoft.com/office/powerpoint/2010/main" val="638562845"/>
       </p:ext>
     </p:extLst>
   </p:cSld>
@@ -4183,7 +5738,7 @@
 </p:sld>
 </file>
 
-<file path=ppt/slides/slide4.xml><?xml version="1.0" encoding="utf-8"?>
+<file path=ppt/slides/slide6.xml><?xml version="1.0" encoding="utf-8"?>
 <p:sld xmlns:a="http://schemas.openxmlformats.org/drawingml/2006/main" xmlns:r="http://schemas.openxmlformats.org/officeDocument/2006/relationships" xmlns:p="http://schemas.openxmlformats.org/presentationml/2006/main">
   <p:cSld>
     <p:spTree>
@@ -4200,92 +5755,145 @@
           <a:chExt cx="0" cy="0"/>
         </a:xfrm>
       </p:grpSpPr>
-      <p:pic>
-        <p:nvPicPr>
-          <p:cNvPr id="6" name="Picture 5">
-            <a:extLst>
-              <a:ext uri="{FF2B5EF4-FFF2-40B4-BE49-F238E27FC236}">
-                <a16:creationId xmlns:a16="http://schemas.microsoft.com/office/drawing/2014/main" id="{F73AC1B6-C3EF-C9FD-3E8D-E77A08FBEAE9}"/>
-              </a:ext>
-            </a:extLst>
-          </p:cNvPr>
-          <p:cNvPicPr>
-            <a:picLocks noChangeAspect="1"/>
-          </p:cNvPicPr>
+      <p:sp>
+        <p:nvSpPr>
+          <p:cNvPr id="2" name="TextBox 1">
+            <a:extLst>
+              <a:ext uri="{FF2B5EF4-FFF2-40B4-BE49-F238E27FC236}">
+                <a16:creationId xmlns:a16="http://schemas.microsoft.com/office/drawing/2014/main" id="{8EB57E88-0AC2-5A08-1F96-B090BEAC32A9}"/>
+              </a:ext>
+            </a:extLst>
+          </p:cNvPr>
+          <p:cNvSpPr txBox="1"/>
           <p:nvPr/>
-        </p:nvPicPr>
-        <p:blipFill>
-          <a:blip r:embed="rId2"/>
-          <a:stretch>
-            <a:fillRect/>
-          </a:stretch>
-        </p:blipFill>
+        </p:nvSpPr>
         <p:spPr>
           <a:xfrm>
-            <a:off x="1992777" y="0"/>
-            <a:ext cx="8206445" cy="6858000"/>
-          </a:xfrm>
-          <a:prstGeom prst="rect">
-            <a:avLst/>
-          </a:prstGeom>
-        </p:spPr>
-      </p:pic>
-      <p:sp>
-        <p:nvSpPr>
-          <p:cNvPr id="7" name="Rectangle 6">
-            <a:extLst>
-              <a:ext uri="{FF2B5EF4-FFF2-40B4-BE49-F238E27FC236}">
-                <a16:creationId xmlns:a16="http://schemas.microsoft.com/office/drawing/2014/main" id="{BA6607F2-F17E-155C-2A94-B87256333785}"/>
-              </a:ext>
-            </a:extLst>
-          </p:cNvPr>
-          <p:cNvSpPr/>
-          <p:nvPr/>
-        </p:nvSpPr>
-        <p:spPr>
-          <a:xfrm>
-            <a:off x="8848437" y="0"/>
-            <a:ext cx="1080654" cy="314036"/>
+            <a:off x="258618" y="612493"/>
+            <a:ext cx="11600873" cy="4524315"/>
           </a:xfrm>
           <a:prstGeom prst="rect">
             <a:avLst/>
           </a:prstGeom>
           <a:noFill/>
-          <a:ln w="57150">
-            <a:solidFill>
-              <a:srgbClr val="C00000"/>
-            </a:solidFill>
-          </a:ln>
         </p:spPr>
-        <p:style>
-          <a:lnRef idx="2">
-            <a:schemeClr val="accent1">
-              <a:shade val="15000"/>
-            </a:schemeClr>
-          </a:lnRef>
-          <a:fillRef idx="1">
-            <a:schemeClr val="accent1"/>
-          </a:fillRef>
-          <a:effectRef idx="0">
-            <a:schemeClr val="accent1"/>
-          </a:effectRef>
-          <a:fontRef idx="minor">
-            <a:schemeClr val="lt1"/>
-          </a:fontRef>
-        </p:style>
-        <p:txBody>
-          <a:bodyPr rtlCol="0" anchor="ctr"/>
+        <p:txBody>
+          <a:bodyPr wrap="square" rtlCol="0">
+            <a:spAutoFit/>
+          </a:bodyPr>
           <a:lstStyle/>
           <a:p>
             <a:pPr algn="ctr"/>
-            <a:endParaRPr lang="en-US"/>
+            <a:r>
+              <a:rPr lang="en-US" sz="8800" b="1" dirty="0">
+                <a:latin typeface="Times New Roman" panose="02020603050405020304" pitchFamily="18" charset="0"/>
+                <a:cs typeface="Times New Roman" panose="02020603050405020304" pitchFamily="18" charset="0"/>
+              </a:rPr>
+              <a:t>Remember:</a:t>
+            </a:r>
+          </a:p>
+          <a:p>
+            <a:pPr marL="342900" indent="-342900">
+              <a:buFont typeface="Wingdings" panose="05000000000000000000" pitchFamily="2" charset="2"/>
+              <a:buChar char="ü"/>
+            </a:pPr>
+            <a:r>
+              <a:rPr lang="en-US" sz="2500" b="1" dirty="0">
+                <a:latin typeface="Times New Roman" panose="02020603050405020304" pitchFamily="18" charset="0"/>
+                <a:cs typeface="Times New Roman" panose="02020603050405020304" pitchFamily="18" charset="0"/>
+              </a:rPr>
+              <a:t>Be sure you use the link in your confirmation email to set up your account</a:t>
+            </a:r>
+          </a:p>
+          <a:p>
+            <a:pPr marL="342900" indent="-342900">
+              <a:buFont typeface="Wingdings" panose="05000000000000000000" pitchFamily="2" charset="2"/>
+              <a:buChar char="ü"/>
+            </a:pPr>
+            <a:r>
+              <a:rPr lang="en-US" sz="2500" b="1" dirty="0">
+                <a:latin typeface="Times New Roman" panose="02020603050405020304" pitchFamily="18" charset="0"/>
+                <a:cs typeface="Times New Roman" panose="02020603050405020304" pitchFamily="18" charset="0"/>
+              </a:rPr>
+              <a:t>This competition is free and for students</a:t>
+            </a:r>
+          </a:p>
+          <a:p>
+            <a:pPr marL="342900" indent="-342900">
+              <a:buFont typeface="Wingdings" panose="05000000000000000000" pitchFamily="2" charset="2"/>
+              <a:buChar char="ü"/>
+            </a:pPr>
+            <a:r>
+              <a:rPr lang="en-US" sz="2500" b="1" dirty="0">
+                <a:latin typeface="Times New Roman" panose="02020603050405020304" pitchFamily="18" charset="0"/>
+                <a:cs typeface="Times New Roman" panose="02020603050405020304" pitchFamily="18" charset="0"/>
+              </a:rPr>
+              <a:t>You do NOT need to enter any banking or funding info</a:t>
+            </a:r>
+          </a:p>
+          <a:p>
+            <a:pPr marL="342900" indent="-342900">
+              <a:buFont typeface="Wingdings" panose="05000000000000000000" pitchFamily="2" charset="2"/>
+              <a:buChar char="ü"/>
+            </a:pPr>
+            <a:r>
+              <a:rPr lang="en-US" sz="2500" b="1" dirty="0">
+                <a:latin typeface="Times New Roman" panose="02020603050405020304" pitchFamily="18" charset="0"/>
+                <a:cs typeface="Times New Roman" panose="02020603050405020304" pitchFamily="18" charset="0"/>
+              </a:rPr>
+              <a:t>You do NOT need to answer any more questions than what you saw in this video</a:t>
+            </a:r>
+          </a:p>
+          <a:p>
+            <a:pPr marL="342900" indent="-342900">
+              <a:buFont typeface="Wingdings" panose="05000000000000000000" pitchFamily="2" charset="2"/>
+              <a:buChar char="ü"/>
+            </a:pPr>
+            <a:endParaRPr lang="en-US" sz="2500" b="1" dirty="0">
+              <a:latin typeface="Times New Roman" panose="02020603050405020304" pitchFamily="18" charset="0"/>
+              <a:cs typeface="Times New Roman" panose="02020603050405020304" pitchFamily="18" charset="0"/>
+            </a:endParaRPr>
+          </a:p>
+          <a:p>
+            <a:r>
+              <a:rPr lang="en-US" sz="2500" b="1" dirty="0">
+                <a:latin typeface="Times New Roman" panose="02020603050405020304" pitchFamily="18" charset="0"/>
+                <a:cs typeface="Times New Roman" panose="02020603050405020304" pitchFamily="18" charset="0"/>
+                <a:sym typeface="Wingdings" panose="05000000000000000000" pitchFamily="2" charset="2"/>
+              </a:rPr>
+              <a:t> Post on the Discord with any questions!</a:t>
+            </a:r>
+            <a:endParaRPr lang="en-US" sz="2500" b="1" dirty="0">
+              <a:latin typeface="Times New Roman" panose="02020603050405020304" pitchFamily="18" charset="0"/>
+              <a:cs typeface="Times New Roman" panose="02020603050405020304" pitchFamily="18" charset="0"/>
+            </a:endParaRPr>
+          </a:p>
+          <a:p>
+            <a:pPr marL="342900" indent="-342900" algn="ctr">
+              <a:buFont typeface="Wingdings" panose="05000000000000000000" pitchFamily="2" charset="2"/>
+              <a:buChar char="ü"/>
+            </a:pPr>
+            <a:endParaRPr lang="en-US" sz="2500" b="1" dirty="0">
+              <a:latin typeface="Times New Roman" panose="02020603050405020304" pitchFamily="18" charset="0"/>
+              <a:cs typeface="Times New Roman" panose="02020603050405020304" pitchFamily="18" charset="0"/>
+            </a:endParaRPr>
+          </a:p>
+          <a:p>
+            <a:pPr marL="342900" indent="-342900" algn="ctr">
+              <a:buFont typeface="Wingdings" panose="05000000000000000000" pitchFamily="2" charset="2"/>
+              <a:buChar char="ü"/>
+            </a:pPr>
+            <a:endParaRPr lang="en-US" sz="2500" b="1" dirty="0">
+              <a:latin typeface="Times New Roman" panose="02020603050405020304" pitchFamily="18" charset="0"/>
+              <a:cs typeface="Times New Roman" panose="02020603050405020304" pitchFamily="18" charset="0"/>
+            </a:endParaRPr>
           </a:p>
         </p:txBody>
       </p:sp>
     </p:spTree>
     <p:extLst>
       <p:ext uri="{BB962C8B-B14F-4D97-AF65-F5344CB8AC3E}">
-        <p14:creationId xmlns:p14="http://schemas.microsoft.com/office/powerpoint/2010/main" val="726595469"/>
+        <p14:creationId xmlns:p14="http://schemas.microsoft.com/office/powerpoint/2010/main" val="1279159131"/>
       </p:ext>
     </p:extLst>
   </p:cSld>
@@ -4313,7 +5921,7 @@
                             </p:stCondLst>
                             <p:childTnLst>
                               <p:par>
-                                <p:cTn id="5" presetID="1" presetClass="entr" presetSubtype="0" fill="hold" grpId="0" nodeType="clickEffect">
+                                <p:cTn id="5" presetID="1" presetClass="entr" presetSubtype="0" fill="hold" nodeType="clickEffect">
                                   <p:stCondLst>
                                     <p:cond delay="0"/>
                                   </p:stCondLst>
@@ -4326,7 +5934,207 @@
                                           </p:stCondLst>
                                         </p:cTn>
                                         <p:tgtEl>
-                                          <p:spTgt spid="7"/>
+                                          <p:spTgt spid="2">
+                                            <p:txEl>
+                                              <p:pRg st="1" end="1"/>
+                                            </p:txEl>
+                                          </p:spTgt>
+                                        </p:tgtEl>
+                                        <p:attrNameLst>
+                                          <p:attrName>style.visibility</p:attrName>
+                                        </p:attrNameLst>
+                                      </p:cBhvr>
+                                      <p:to>
+                                        <p:strVal val="visible"/>
+                                      </p:to>
+                                    </p:set>
+                                  </p:childTnLst>
+                                </p:cTn>
+                              </p:par>
+                            </p:childTnLst>
+                          </p:cTn>
+                        </p:par>
+                      </p:childTnLst>
+                    </p:cTn>
+                  </p:par>
+                  <p:par>
+                    <p:cTn id="7" fill="hold">
+                      <p:stCondLst>
+                        <p:cond delay="indefinite"/>
+                      </p:stCondLst>
+                      <p:childTnLst>
+                        <p:par>
+                          <p:cTn id="8" fill="hold">
+                            <p:stCondLst>
+                              <p:cond delay="0"/>
+                            </p:stCondLst>
+                            <p:childTnLst>
+                              <p:par>
+                                <p:cTn id="9" presetID="1" presetClass="entr" presetSubtype="0" fill="hold" nodeType="clickEffect">
+                                  <p:stCondLst>
+                                    <p:cond delay="0"/>
+                                  </p:stCondLst>
+                                  <p:childTnLst>
+                                    <p:set>
+                                      <p:cBhvr>
+                                        <p:cTn id="10" dur="1" fill="hold">
+                                          <p:stCondLst>
+                                            <p:cond delay="0"/>
+                                          </p:stCondLst>
+                                        </p:cTn>
+                                        <p:tgtEl>
+                                          <p:spTgt spid="2">
+                                            <p:txEl>
+                                              <p:pRg st="2" end="2"/>
+                                            </p:txEl>
+                                          </p:spTgt>
+                                        </p:tgtEl>
+                                        <p:attrNameLst>
+                                          <p:attrName>style.visibility</p:attrName>
+                                        </p:attrNameLst>
+                                      </p:cBhvr>
+                                      <p:to>
+                                        <p:strVal val="visible"/>
+                                      </p:to>
+                                    </p:set>
+                                  </p:childTnLst>
+                                </p:cTn>
+                              </p:par>
+                            </p:childTnLst>
+                          </p:cTn>
+                        </p:par>
+                      </p:childTnLst>
+                    </p:cTn>
+                  </p:par>
+                  <p:par>
+                    <p:cTn id="11" fill="hold">
+                      <p:stCondLst>
+                        <p:cond delay="indefinite"/>
+                      </p:stCondLst>
+                      <p:childTnLst>
+                        <p:par>
+                          <p:cTn id="12" fill="hold">
+                            <p:stCondLst>
+                              <p:cond delay="0"/>
+                            </p:stCondLst>
+                            <p:childTnLst>
+                              <p:par>
+                                <p:cTn id="13" presetID="1" presetClass="entr" presetSubtype="0" fill="hold" nodeType="clickEffect">
+                                  <p:stCondLst>
+                                    <p:cond delay="0"/>
+                                  </p:stCondLst>
+                                  <p:childTnLst>
+                                    <p:set>
+                                      <p:cBhvr>
+                                        <p:cTn id="14" dur="1" fill="hold">
+                                          <p:stCondLst>
+                                            <p:cond delay="0"/>
+                                          </p:stCondLst>
+                                        </p:cTn>
+                                        <p:tgtEl>
+                                          <p:spTgt spid="2">
+                                            <p:txEl>
+                                              <p:pRg st="3" end="3"/>
+                                            </p:txEl>
+                                          </p:spTgt>
+                                        </p:tgtEl>
+                                        <p:attrNameLst>
+                                          <p:attrName>style.visibility</p:attrName>
+                                        </p:attrNameLst>
+                                      </p:cBhvr>
+                                      <p:to>
+                                        <p:strVal val="visible"/>
+                                      </p:to>
+                                    </p:set>
+                                  </p:childTnLst>
+                                </p:cTn>
+                              </p:par>
+                            </p:childTnLst>
+                          </p:cTn>
+                        </p:par>
+                      </p:childTnLst>
+                    </p:cTn>
+                  </p:par>
+                  <p:par>
+                    <p:cTn id="15" fill="hold">
+                      <p:stCondLst>
+                        <p:cond delay="indefinite"/>
+                      </p:stCondLst>
+                      <p:childTnLst>
+                        <p:par>
+                          <p:cTn id="16" fill="hold">
+                            <p:stCondLst>
+                              <p:cond delay="0"/>
+                            </p:stCondLst>
+                            <p:childTnLst>
+                              <p:par>
+                                <p:cTn id="17" presetID="1" presetClass="entr" presetSubtype="0" fill="hold" nodeType="clickEffect">
+                                  <p:stCondLst>
+                                    <p:cond delay="0"/>
+                                  </p:stCondLst>
+                                  <p:childTnLst>
+                                    <p:set>
+                                      <p:cBhvr>
+                                        <p:cTn id="18" dur="1" fill="hold">
+                                          <p:stCondLst>
+                                            <p:cond delay="0"/>
+                                          </p:stCondLst>
+                                        </p:cTn>
+                                        <p:tgtEl>
+                                          <p:spTgt spid="2">
+                                            <p:txEl>
+                                              <p:pRg st="4" end="4"/>
+                                            </p:txEl>
+                                          </p:spTgt>
+                                        </p:tgtEl>
+                                        <p:attrNameLst>
+                                          <p:attrName>style.visibility</p:attrName>
+                                        </p:attrNameLst>
+                                      </p:cBhvr>
+                                      <p:to>
+                                        <p:strVal val="visible"/>
+                                      </p:to>
+                                    </p:set>
+                                  </p:childTnLst>
+                                </p:cTn>
+                              </p:par>
+                            </p:childTnLst>
+                          </p:cTn>
+                        </p:par>
+                      </p:childTnLst>
+                    </p:cTn>
+                  </p:par>
+                  <p:par>
+                    <p:cTn id="19" fill="hold">
+                      <p:stCondLst>
+                        <p:cond delay="indefinite"/>
+                      </p:stCondLst>
+                      <p:childTnLst>
+                        <p:par>
+                          <p:cTn id="20" fill="hold">
+                            <p:stCondLst>
+                              <p:cond delay="0"/>
+                            </p:stCondLst>
+                            <p:childTnLst>
+                              <p:par>
+                                <p:cTn id="21" presetID="1" presetClass="entr" presetSubtype="0" fill="hold" nodeType="clickEffect">
+                                  <p:stCondLst>
+                                    <p:cond delay="0"/>
+                                  </p:stCondLst>
+                                  <p:childTnLst>
+                                    <p:set>
+                                      <p:cBhvr>
+                                        <p:cTn id="22" dur="1" fill="hold">
+                                          <p:stCondLst>
+                                            <p:cond delay="0"/>
+                                          </p:stCondLst>
+                                        </p:cTn>
+                                        <p:tgtEl>
+                                          <p:spTgt spid="2">
+                                            <p:txEl>
+                                              <p:pRg st="6" end="6"/>
+                                            </p:txEl>
+                                          </p:spTgt>
                                         </p:tgtEl>
                                         <p:attrNameLst>
                                           <p:attrName>style.visibility</p:attrName>
@@ -4366,235 +6174,7 @@
         </p:cTn>
       </p:par>
     </p:tnLst>
-    <p:bldLst>
-      <p:bldP spid="7" grpId="0" animBg="1"/>
-    </p:bldLst>
   </p:timing>
-</p:sld>
-</file>
-
-<file path=ppt/slides/slide5.xml><?xml version="1.0" encoding="utf-8"?>
-<p:sld xmlns:a="http://schemas.openxmlformats.org/drawingml/2006/main" xmlns:r="http://schemas.openxmlformats.org/officeDocument/2006/relationships" xmlns:p="http://schemas.openxmlformats.org/presentationml/2006/main">
-  <p:cSld>
-    <p:spTree>
-      <p:nvGrpSpPr>
-        <p:cNvPr id="1" name=""/>
-        <p:cNvGrpSpPr/>
-        <p:nvPr/>
-      </p:nvGrpSpPr>
-      <p:grpSpPr>
-        <a:xfrm>
-          <a:off x="0" y="0"/>
-          <a:ext cx="0" cy="0"/>
-          <a:chOff x="0" y="0"/>
-          <a:chExt cx="0" cy="0"/>
-        </a:xfrm>
-      </p:grpSpPr>
-      <p:pic>
-        <p:nvPicPr>
-          <p:cNvPr id="3" name="Picture 2">
-            <a:extLst>
-              <a:ext uri="{FF2B5EF4-FFF2-40B4-BE49-F238E27FC236}">
-                <a16:creationId xmlns:a16="http://schemas.microsoft.com/office/drawing/2014/main" id="{DB4E89BB-2EB7-46E5-0B60-6D80376883AF}"/>
-              </a:ext>
-            </a:extLst>
-          </p:cNvPr>
-          <p:cNvPicPr>
-            <a:picLocks noChangeAspect="1"/>
-          </p:cNvPicPr>
-          <p:nvPr/>
-        </p:nvPicPr>
-        <p:blipFill>
-          <a:blip r:embed="rId2"/>
-          <a:stretch>
-            <a:fillRect/>
-          </a:stretch>
-        </p:blipFill>
-        <p:spPr>
-          <a:xfrm>
-            <a:off x="399255" y="1347497"/>
-            <a:ext cx="11393490" cy="4163006"/>
-          </a:xfrm>
-          <a:prstGeom prst="rect">
-            <a:avLst/>
-          </a:prstGeom>
-        </p:spPr>
-      </p:pic>
-    </p:spTree>
-    <p:extLst>
-      <p:ext uri="{BB962C8B-B14F-4D97-AF65-F5344CB8AC3E}">
-        <p14:creationId xmlns:p14="http://schemas.microsoft.com/office/powerpoint/2010/main" val="638562845"/>
-      </p:ext>
-    </p:extLst>
-  </p:cSld>
-  <p:clrMapOvr>
-    <a:masterClrMapping/>
-  </p:clrMapOvr>
-</p:sld>
-</file>
-
-<file path=ppt/slides/slide6.xml><?xml version="1.0" encoding="utf-8"?>
-<p:sld xmlns:a="http://schemas.openxmlformats.org/drawingml/2006/main" xmlns:r="http://schemas.openxmlformats.org/officeDocument/2006/relationships" xmlns:p="http://schemas.openxmlformats.org/presentationml/2006/main">
-  <p:cSld>
-    <p:spTree>
-      <p:nvGrpSpPr>
-        <p:cNvPr id="1" name=""/>
-        <p:cNvGrpSpPr/>
-        <p:nvPr/>
-      </p:nvGrpSpPr>
-      <p:grpSpPr>
-        <a:xfrm>
-          <a:off x="0" y="0"/>
-          <a:ext cx="0" cy="0"/>
-          <a:chOff x="0" y="0"/>
-          <a:chExt cx="0" cy="0"/>
-        </a:xfrm>
-      </p:grpSpPr>
-      <p:sp>
-        <p:nvSpPr>
-          <p:cNvPr id="2" name="TextBox 1">
-            <a:extLst>
-              <a:ext uri="{FF2B5EF4-FFF2-40B4-BE49-F238E27FC236}">
-                <a16:creationId xmlns:a16="http://schemas.microsoft.com/office/drawing/2014/main" id="{8EB57E88-0AC2-5A08-1F96-B090BEAC32A9}"/>
-              </a:ext>
-            </a:extLst>
-          </p:cNvPr>
-          <p:cNvSpPr txBox="1"/>
-          <p:nvPr/>
-        </p:nvSpPr>
-        <p:spPr>
-          <a:xfrm>
-            <a:off x="258618" y="612493"/>
-            <a:ext cx="11600873" cy="4524315"/>
-          </a:xfrm>
-          <a:prstGeom prst="rect">
-            <a:avLst/>
-          </a:prstGeom>
-          <a:noFill/>
-        </p:spPr>
-        <p:txBody>
-          <a:bodyPr wrap="square" rtlCol="0">
-            <a:spAutoFit/>
-          </a:bodyPr>
-          <a:lstStyle/>
-          <a:p>
-            <a:pPr algn="ctr"/>
-            <a:r>
-              <a:rPr lang="en-US" sz="8800" b="1" dirty="0">
-                <a:latin typeface="Times New Roman" panose="02020603050405020304" pitchFamily="18" charset="0"/>
-                <a:cs typeface="Times New Roman" panose="02020603050405020304" pitchFamily="18" charset="0"/>
-              </a:rPr>
-              <a:t>Remember:</a:t>
-            </a:r>
-          </a:p>
-          <a:p>
-            <a:pPr marL="342900" indent="-342900">
-              <a:buFont typeface="Wingdings" panose="05000000000000000000" pitchFamily="2" charset="2"/>
-              <a:buChar char="ü"/>
-            </a:pPr>
-            <a:r>
-              <a:rPr lang="en-US" sz="2500" b="1" dirty="0">
-                <a:latin typeface="Times New Roman" panose="02020603050405020304" pitchFamily="18" charset="0"/>
-                <a:cs typeface="Times New Roman" panose="02020603050405020304" pitchFamily="18" charset="0"/>
-              </a:rPr>
-              <a:t>Be sure you use the link in your confirmation email to set up your account</a:t>
-            </a:r>
-          </a:p>
-          <a:p>
-            <a:pPr marL="342900" indent="-342900">
-              <a:buFont typeface="Wingdings" panose="05000000000000000000" pitchFamily="2" charset="2"/>
-              <a:buChar char="ü"/>
-            </a:pPr>
-            <a:r>
-              <a:rPr lang="en-US" sz="2500" b="1" dirty="0">
-                <a:latin typeface="Times New Roman" panose="02020603050405020304" pitchFamily="18" charset="0"/>
-                <a:cs typeface="Times New Roman" panose="02020603050405020304" pitchFamily="18" charset="0"/>
-              </a:rPr>
-              <a:t>This competition is free and for students</a:t>
-            </a:r>
-          </a:p>
-          <a:p>
-            <a:pPr marL="342900" indent="-342900">
-              <a:buFont typeface="Wingdings" panose="05000000000000000000" pitchFamily="2" charset="2"/>
-              <a:buChar char="ü"/>
-            </a:pPr>
-            <a:r>
-              <a:rPr lang="en-US" sz="2500" b="1" dirty="0">
-                <a:latin typeface="Times New Roman" panose="02020603050405020304" pitchFamily="18" charset="0"/>
-                <a:cs typeface="Times New Roman" panose="02020603050405020304" pitchFamily="18" charset="0"/>
-              </a:rPr>
-              <a:t>You do NOT need to enter any banking or funding info</a:t>
-            </a:r>
-          </a:p>
-          <a:p>
-            <a:pPr marL="342900" indent="-342900">
-              <a:buFont typeface="Wingdings" panose="05000000000000000000" pitchFamily="2" charset="2"/>
-              <a:buChar char="ü"/>
-            </a:pPr>
-            <a:r>
-              <a:rPr lang="en-US" sz="2500" b="1" dirty="0">
-                <a:latin typeface="Times New Roman" panose="02020603050405020304" pitchFamily="18" charset="0"/>
-                <a:cs typeface="Times New Roman" panose="02020603050405020304" pitchFamily="18" charset="0"/>
-              </a:rPr>
-              <a:t>You do NOT need to answer any more questions than what you saw in this video</a:t>
-            </a:r>
-          </a:p>
-          <a:p>
-            <a:pPr marL="342900" indent="-342900">
-              <a:buFont typeface="Wingdings" panose="05000000000000000000" pitchFamily="2" charset="2"/>
-              <a:buChar char="ü"/>
-            </a:pPr>
-            <a:endParaRPr lang="en-US" sz="2500" b="1" dirty="0">
-              <a:latin typeface="Times New Roman" panose="02020603050405020304" pitchFamily="18" charset="0"/>
-              <a:cs typeface="Times New Roman" panose="02020603050405020304" pitchFamily="18" charset="0"/>
-            </a:endParaRPr>
-          </a:p>
-          <a:p>
-            <a:r>
-              <a:rPr lang="en-US" sz="2500" b="1" dirty="0">
-                <a:latin typeface="Times New Roman" panose="02020603050405020304" pitchFamily="18" charset="0"/>
-                <a:cs typeface="Times New Roman" panose="02020603050405020304" pitchFamily="18" charset="0"/>
-                <a:sym typeface="Wingdings" panose="05000000000000000000" pitchFamily="2" charset="2"/>
-              </a:rPr>
-              <a:t> Post on the Discord with any questions!</a:t>
-            </a:r>
-            <a:endParaRPr lang="en-US" sz="2500" b="1" dirty="0">
-              <a:latin typeface="Times New Roman" panose="02020603050405020304" pitchFamily="18" charset="0"/>
-              <a:cs typeface="Times New Roman" panose="02020603050405020304" pitchFamily="18" charset="0"/>
-            </a:endParaRPr>
-          </a:p>
-          <a:p>
-            <a:pPr marL="342900" indent="-342900" algn="ctr">
-              <a:buFont typeface="Wingdings" panose="05000000000000000000" pitchFamily="2" charset="2"/>
-              <a:buChar char="ü"/>
-            </a:pPr>
-            <a:endParaRPr lang="en-US" sz="2500" b="1" dirty="0">
-              <a:latin typeface="Times New Roman" panose="02020603050405020304" pitchFamily="18" charset="0"/>
-              <a:cs typeface="Times New Roman" panose="02020603050405020304" pitchFamily="18" charset="0"/>
-            </a:endParaRPr>
-          </a:p>
-          <a:p>
-            <a:pPr marL="342900" indent="-342900" algn="ctr">
-              <a:buFont typeface="Wingdings" panose="05000000000000000000" pitchFamily="2" charset="2"/>
-              <a:buChar char="ü"/>
-            </a:pPr>
-            <a:endParaRPr lang="en-US" sz="2500" b="1" dirty="0">
-              <a:latin typeface="Times New Roman" panose="02020603050405020304" pitchFamily="18" charset="0"/>
-              <a:cs typeface="Times New Roman" panose="02020603050405020304" pitchFamily="18" charset="0"/>
-            </a:endParaRPr>
-          </a:p>
-        </p:txBody>
-      </p:sp>
-    </p:spTree>
-    <p:extLst>
-      <p:ext uri="{BB962C8B-B14F-4D97-AF65-F5344CB8AC3E}">
-        <p14:creationId xmlns:p14="http://schemas.microsoft.com/office/powerpoint/2010/main" val="1279159131"/>
-      </p:ext>
-    </p:extLst>
-  </p:cSld>
-  <p:clrMapOvr>
-    <a:masterClrMapping/>
-  </p:clrMapOvr>
 </p:sld>
 </file>
 
